--- a/New Microsoft PowerPoint Presentation.pptx
+++ b/New Microsoft PowerPoint Presentation.pptx
@@ -3110,11 +3110,7 @@
             </a:r>
             <a:r>
               <a:rPr lang="en-IN" dirty="0" smtClean="0"/>
-              <a:t>he optimum price will be set by the Food Sellers which will be the cost for purchasing </a:t>
-            </a:r>
-            <a:r>
-              <a:rPr lang="en-IN" smtClean="0"/>
-              <a:t>food for the customers.</a:t>
+              <a:t>he optimum price will be set by the Food Sellers which will be the cost for purchasing food for the customers.</a:t>
             </a:r>
             <a:endParaRPr lang="en-IN" dirty="0"/>
           </a:p>
@@ -3228,8 +3224,36 @@
               <a:buNone/>
             </a:pPr>
             <a:r>
-              <a:rPr lang="en-IN" smtClean="0"/>
+              <a:rPr lang="en-IN" dirty="0" smtClean="0"/>
               <a:t>Firebase</a:t>
+            </a:r>
+          </a:p>
+          <a:p>
+            <a:pPr marL="0" indent="0">
+              <a:buNone/>
+            </a:pPr>
+            <a:r>
+              <a:rPr lang="en-IN" dirty="0" err="1" smtClean="0"/>
+              <a:t>Jquery</a:t>
+            </a:r>
+            <a:endParaRPr lang="en-IN" dirty="0" smtClean="0"/>
+          </a:p>
+          <a:p>
+            <a:pPr marL="0" indent="0">
+              <a:buNone/>
+            </a:pPr>
+            <a:r>
+              <a:rPr lang="en-IN" dirty="0" smtClean="0"/>
+              <a:t>Google Maps API</a:t>
+            </a:r>
+          </a:p>
+          <a:p>
+            <a:pPr marL="0" indent="0">
+              <a:buNone/>
+            </a:pPr>
+            <a:r>
+              <a:rPr lang="en-IN" dirty="0" smtClean="0"/>
+              <a:t>Razor Payment Gateway API</a:t>
             </a:r>
             <a:endParaRPr lang="en-IN" dirty="0"/>
           </a:p>
